--- a/object/instruction/instruction.pptx
+++ b/object/instruction/instruction.pptx
@@ -5,7 +5,7 @@
     <p:sldMasterId id="2147483660" r:id="rId1"/>
   </p:sldMasterIdLst>
   <p:notesMasterIdLst>
-    <p:notesMasterId r:id="rId16"/>
+    <p:notesMasterId r:id="rId19"/>
   </p:notesMasterIdLst>
   <p:sldIdLst>
     <p:sldId id="275" r:id="rId2"/>
@@ -22,6 +22,9 @@
     <p:sldId id="277" r:id="rId13"/>
     <p:sldId id="274" r:id="rId14"/>
     <p:sldId id="280" r:id="rId15"/>
+    <p:sldId id="288" r:id="rId16"/>
+    <p:sldId id="289" r:id="rId17"/>
+    <p:sldId id="290" r:id="rId18"/>
   </p:sldIdLst>
   <p:sldSz cx="9144000" cy="6858000" type="screen4x3"/>
   <p:notesSz cx="6858000" cy="9144000"/>
@@ -210,7 +213,7 @@
           <a:p>
             <a:fld id="{5E0BD2FF-DB0B-4157-9238-BCF205BF74EE}" type="datetimeFigureOut">
               <a:rPr lang="zh-CN" altLang="en-US" smtClean="0"/>
-              <a:t>2020/12/3</a:t>
+              <a:t>2020/12/13</a:t>
             </a:fld>
             <a:endParaRPr lang="zh-CN" altLang="en-US"/>
           </a:p>
@@ -274,38 +277,37 @@
           <a:p>
             <a:pPr lvl="0"/>
             <a:r>
-              <a:rPr lang="zh-CN" altLang="en-US" smtClean="0"/>
+              <a:rPr lang="zh-CN" altLang="en-US"/>
               <a:t>编辑母版文本样式</a:t>
             </a:r>
           </a:p>
           <a:p>
             <a:pPr lvl="1"/>
             <a:r>
-              <a:rPr lang="zh-CN" altLang="en-US" smtClean="0"/>
+              <a:rPr lang="zh-CN" altLang="en-US"/>
               <a:t>第二级</a:t>
             </a:r>
           </a:p>
           <a:p>
             <a:pPr lvl="2"/>
             <a:r>
-              <a:rPr lang="zh-CN" altLang="en-US" smtClean="0"/>
+              <a:rPr lang="zh-CN" altLang="en-US"/>
               <a:t>第三级</a:t>
             </a:r>
           </a:p>
           <a:p>
             <a:pPr lvl="3"/>
             <a:r>
-              <a:rPr lang="zh-CN" altLang="en-US" smtClean="0"/>
+              <a:rPr lang="zh-CN" altLang="en-US"/>
               <a:t>第四级</a:t>
             </a:r>
           </a:p>
           <a:p>
             <a:pPr lvl="4"/>
             <a:r>
-              <a:rPr lang="zh-CN" altLang="en-US" smtClean="0"/>
+              <a:rPr lang="zh-CN" altLang="en-US"/>
               <a:t>第五级</a:t>
             </a:r>
-            <a:endParaRPr lang="zh-CN" altLang="en-US"/>
           </a:p>
         </p:txBody>
       </p:sp>
@@ -523,11 +525,11 @@
           <a:lstStyle/>
           <a:p>
             <a:r>
-              <a:rPr lang="en-US" altLang="zh-CN" dirty="0" smtClean="0"/>
+              <a:rPr lang="en-US" altLang="zh-CN" dirty="0"/>
               <a:t>BIN</a:t>
             </a:r>
             <a:r>
-              <a:rPr lang="en-US" altLang="zh-CN" baseline="0" dirty="0" smtClean="0"/>
+              <a:rPr lang="en-US" altLang="zh-CN" baseline="0" dirty="0"/>
               <a:t> train instructions</a:t>
             </a:r>
             <a:endParaRPr lang="zh-CN" altLang="en-US" dirty="0"/>
@@ -615,10 +617,10 @@
           <a:lstStyle/>
           <a:p>
             <a:r>
-              <a:rPr lang="zh-CN" altLang="en-US" dirty="0" smtClean="0"/>
+              <a:rPr lang="zh-CN" altLang="en-US" dirty="0"/>
               <a:t>任务是判断图片中的物体是否有生命，有生命按左键，无生命按右键。要求在图片消失后尽快按键。</a:t>
             </a:r>
-            <a:endParaRPr lang="en-US" altLang="zh-CN" dirty="0" smtClean="0"/>
+            <a:endParaRPr lang="en-US" altLang="zh-CN" dirty="0"/>
           </a:p>
         </p:txBody>
       </p:sp>
@@ -763,10 +765,9 @@
           <a:lstStyle/>
           <a:p>
             <a:r>
-              <a:rPr lang="zh-CN" altLang="en-US" dirty="0" smtClean="0"/>
+              <a:rPr lang="zh-CN" altLang="en-US" dirty="0"/>
               <a:t>注视中央白点</a:t>
             </a:r>
-            <a:endParaRPr lang="zh-CN" altLang="en-US" dirty="0"/>
           </a:p>
         </p:txBody>
       </p:sp>
@@ -868,27 +869,27 @@
               <a:defRPr/>
             </a:pPr>
             <a:r>
-              <a:rPr lang="zh-CN" altLang="en-US" dirty="0" smtClean="0">
+              <a:rPr lang="zh-CN" altLang="en-US" dirty="0">
                 <a:latin typeface="黑体" panose="02010609060101010101" pitchFamily="49" charset="-122"/>
                 <a:ea typeface="黑体" panose="02010609060101010101" pitchFamily="49" charset="-122"/>
               </a:rPr>
               <a:t>可以稍微休息，但头和身体也不要大幅运动</a:t>
             </a:r>
             <a:r>
-              <a:rPr lang="en-US" altLang="zh-CN" dirty="0" smtClean="0">
+              <a:rPr lang="en-US" altLang="zh-CN" dirty="0">
                 <a:latin typeface="黑体" panose="02010609060101010101" pitchFamily="49" charset="-122"/>
                 <a:ea typeface="黑体" panose="02010609060101010101" pitchFamily="49" charset="-122"/>
               </a:rPr>
               <a:t>(&lt;20mm)</a:t>
             </a:r>
             <a:r>
-              <a:rPr lang="zh-CN" altLang="en-US" dirty="0" smtClean="0">
+              <a:rPr lang="zh-CN" altLang="en-US" dirty="0">
                 <a:latin typeface="黑体" panose="02010609060101010101" pitchFamily="49" charset="-122"/>
                 <a:ea typeface="黑体" panose="02010609060101010101" pitchFamily="49" charset="-122"/>
               </a:rPr>
               <a:t>。如果状态可以就尽快开始下边实验，休息越长在里边待的时间越长。</a:t>
             </a:r>
-            <a:endParaRPr lang="en-US" altLang="zh-CN" dirty="0" smtClean="0">
+            <a:endParaRPr lang="en-US" altLang="zh-CN" dirty="0">
               <a:latin typeface="黑体" panose="02010609060101010101" pitchFamily="49" charset="-122"/>
               <a:ea typeface="黑体" panose="02010609060101010101" pitchFamily="49" charset="-122"/>
             </a:endParaRPr>
@@ -976,11 +977,11 @@
           <a:lstStyle/>
           <a:p>
             <a:r>
-              <a:rPr lang="en-US" altLang="zh-CN" dirty="0" smtClean="0"/>
+              <a:rPr lang="en-US" altLang="zh-CN" dirty="0"/>
               <a:t>BIN</a:t>
             </a:r>
             <a:r>
-              <a:rPr lang="en-US" altLang="zh-CN" baseline="0" dirty="0" smtClean="0"/>
+              <a:rPr lang="en-US" altLang="zh-CN" baseline="0" dirty="0"/>
               <a:t> test instructions</a:t>
             </a:r>
             <a:endParaRPr lang="zh-CN" altLang="en-US" dirty="0"/>
@@ -1068,11 +1069,11 @@
           <a:lstStyle/>
           <a:p>
             <a:r>
-              <a:rPr lang="en-US" altLang="zh-CN" dirty="0" smtClean="0"/>
+              <a:rPr lang="en-US" altLang="zh-CN" dirty="0"/>
               <a:t>BIN</a:t>
             </a:r>
             <a:r>
-              <a:rPr lang="en-US" altLang="zh-CN" baseline="0" dirty="0" smtClean="0"/>
+              <a:rPr lang="en-US" altLang="zh-CN" baseline="0" dirty="0"/>
               <a:t> train instructions</a:t>
             </a:r>
             <a:endParaRPr lang="zh-CN" altLang="en-US" dirty="0"/>
@@ -1306,7 +1307,7 @@
           <a:p>
             <a:fld id="{C56612D5-36F0-430E-8993-22E7E4C9B704}" type="datetimeFigureOut">
               <a:rPr lang="zh-CN" altLang="en-US" smtClean="0"/>
-              <a:t>2020/12/3</a:t>
+              <a:t>2020/12/13</a:t>
             </a:fld>
             <a:endParaRPr lang="zh-CN" altLang="en-US"/>
           </a:p>
@@ -1476,7 +1477,7 @@
           <a:p>
             <a:fld id="{C56612D5-36F0-430E-8993-22E7E4C9B704}" type="datetimeFigureOut">
               <a:rPr lang="zh-CN" altLang="en-US" smtClean="0"/>
-              <a:t>2020/12/3</a:t>
+              <a:t>2020/12/13</a:t>
             </a:fld>
             <a:endParaRPr lang="zh-CN" altLang="en-US"/>
           </a:p>
@@ -1656,7 +1657,7 @@
           <a:p>
             <a:fld id="{C56612D5-36F0-430E-8993-22E7E4C9B704}" type="datetimeFigureOut">
               <a:rPr lang="zh-CN" altLang="en-US" smtClean="0"/>
-              <a:t>2020/12/3</a:t>
+              <a:t>2020/12/13</a:t>
             </a:fld>
             <a:endParaRPr lang="zh-CN" altLang="en-US"/>
           </a:p>
@@ -1826,7 +1827,7 @@
           <a:p>
             <a:fld id="{C56612D5-36F0-430E-8993-22E7E4C9B704}" type="datetimeFigureOut">
               <a:rPr lang="zh-CN" altLang="en-US" smtClean="0"/>
-              <a:t>2020/12/3</a:t>
+              <a:t>2020/12/13</a:t>
             </a:fld>
             <a:endParaRPr lang="zh-CN" altLang="en-US"/>
           </a:p>
@@ -2070,7 +2071,7 @@
           <a:p>
             <a:fld id="{C56612D5-36F0-430E-8993-22E7E4C9B704}" type="datetimeFigureOut">
               <a:rPr lang="zh-CN" altLang="en-US" smtClean="0"/>
-              <a:t>2020/12/3</a:t>
+              <a:t>2020/12/13</a:t>
             </a:fld>
             <a:endParaRPr lang="zh-CN" altLang="en-US"/>
           </a:p>
@@ -2302,7 +2303,7 @@
           <a:p>
             <a:fld id="{C56612D5-36F0-430E-8993-22E7E4C9B704}" type="datetimeFigureOut">
               <a:rPr lang="zh-CN" altLang="en-US" smtClean="0"/>
-              <a:t>2020/12/3</a:t>
+              <a:t>2020/12/13</a:t>
             </a:fld>
             <a:endParaRPr lang="zh-CN" altLang="en-US"/>
           </a:p>
@@ -2669,7 +2670,7 @@
           <a:p>
             <a:fld id="{C56612D5-36F0-430E-8993-22E7E4C9B704}" type="datetimeFigureOut">
               <a:rPr lang="zh-CN" altLang="en-US" smtClean="0"/>
-              <a:t>2020/12/3</a:t>
+              <a:t>2020/12/13</a:t>
             </a:fld>
             <a:endParaRPr lang="zh-CN" altLang="en-US"/>
           </a:p>
@@ -2787,7 +2788,7 @@
           <a:p>
             <a:fld id="{C56612D5-36F0-430E-8993-22E7E4C9B704}" type="datetimeFigureOut">
               <a:rPr lang="zh-CN" altLang="en-US" smtClean="0"/>
-              <a:t>2020/12/3</a:t>
+              <a:t>2020/12/13</a:t>
             </a:fld>
             <a:endParaRPr lang="zh-CN" altLang="en-US"/>
           </a:p>
@@ -2882,7 +2883,7 @@
           <a:p>
             <a:fld id="{C56612D5-36F0-430E-8993-22E7E4C9B704}" type="datetimeFigureOut">
               <a:rPr lang="zh-CN" altLang="en-US" smtClean="0"/>
-              <a:t>2020/12/3</a:t>
+              <a:t>2020/12/13</a:t>
             </a:fld>
             <a:endParaRPr lang="zh-CN" altLang="en-US"/>
           </a:p>
@@ -3159,7 +3160,7 @@
           <a:p>
             <a:fld id="{C56612D5-36F0-430E-8993-22E7E4C9B704}" type="datetimeFigureOut">
               <a:rPr lang="zh-CN" altLang="en-US" smtClean="0"/>
-              <a:t>2020/12/3</a:t>
+              <a:t>2020/12/13</a:t>
             </a:fld>
             <a:endParaRPr lang="zh-CN" altLang="en-US"/>
           </a:p>
@@ -3416,7 +3417,7 @@
           <a:p>
             <a:fld id="{C56612D5-36F0-430E-8993-22E7E4C9B704}" type="datetimeFigureOut">
               <a:rPr lang="zh-CN" altLang="en-US" smtClean="0"/>
-              <a:t>2020/12/3</a:t>
+              <a:t>2020/12/13</a:t>
             </a:fld>
             <a:endParaRPr lang="zh-CN" altLang="en-US"/>
           </a:p>
@@ -3629,7 +3630,7 @@
           <a:p>
             <a:fld id="{C56612D5-36F0-430E-8993-22E7E4C9B704}" type="datetimeFigureOut">
               <a:rPr lang="zh-CN" altLang="en-US" smtClean="0"/>
-              <a:t>2020/12/3</a:t>
+              <a:t>2020/12/13</a:t>
             </a:fld>
             <a:endParaRPr lang="zh-CN" altLang="en-US"/>
           </a:p>
@@ -4050,7 +4051,7 @@
           <a:lstStyle/>
           <a:p>
             <a:r>
-              <a:rPr lang="en-US" altLang="zh-CN" dirty="0" smtClean="0">
+              <a:rPr lang="en-US" altLang="zh-CN" dirty="0">
                 <a:latin typeface="Times New Roman" panose="02020603050405020304" pitchFamily="18" charset="0"/>
                 <a:ea typeface="黑体" panose="02010609060101010101" pitchFamily="49" charset="-122"/>
                 <a:cs typeface="Times New Roman" panose="02020603050405020304" pitchFamily="18" charset="0"/>
@@ -4058,18 +4059,13 @@
               <a:t>BIN </a:t>
             </a:r>
             <a:r>
-              <a:rPr lang="zh-CN" altLang="en-US" dirty="0" smtClean="0">
+              <a:rPr lang="zh-CN" altLang="en-US" dirty="0">
                 <a:latin typeface="Times New Roman" panose="02020603050405020304" pitchFamily="18" charset="0"/>
                 <a:ea typeface="黑体" panose="02010609060101010101" pitchFamily="49" charset="-122"/>
                 <a:cs typeface="Times New Roman" panose="02020603050405020304" pitchFamily="18" charset="0"/>
               </a:rPr>
               <a:t>实验指导语</a:t>
             </a:r>
-            <a:endParaRPr lang="zh-CN" altLang="en-US" dirty="0">
-              <a:latin typeface="Times New Roman" panose="02020603050405020304" pitchFamily="18" charset="0"/>
-              <a:ea typeface="黑体" panose="02010609060101010101" pitchFamily="49" charset="-122"/>
-              <a:cs typeface="Times New Roman" panose="02020603050405020304" pitchFamily="18" charset="0"/>
-            </a:endParaRPr>
           </a:p>
         </p:txBody>
       </p:sp>
@@ -4172,18 +4168,7 @@
                 <a:ea typeface="黑体" panose="02010609060101010101" pitchFamily="49" charset="-122"/>
                 <a:cs typeface="Times New Roman" panose="02020603050405020304" pitchFamily="18" charset="0"/>
               </a:rPr>
-              <a:t>实验中请时刻注视屏幕中央</a:t>
-            </a:r>
-            <a:r>
-              <a:rPr lang="zh-CN" altLang="en-US" sz="2800" dirty="0" smtClean="0">
-                <a:solidFill>
-                  <a:schemeClr val="bg1"/>
-                </a:solidFill>
-                <a:latin typeface="黑体" panose="02010609060101010101" pitchFamily="49" charset="-122"/>
-                <a:ea typeface="黑体" panose="02010609060101010101" pitchFamily="49" charset="-122"/>
-                <a:cs typeface="Times New Roman" panose="02020603050405020304" pitchFamily="18" charset="0"/>
-              </a:rPr>
-              <a:t>的圆点，并在圆点颜色改变时尽快按左键反应。</a:t>
+              <a:t>实验中请时刻注视屏幕中央的圆点，并在圆点颜色改变时尽快按左键反应。</a:t>
             </a:r>
             <a:endParaRPr lang="en-US" altLang="zh-CN" sz="2800" dirty="0">
               <a:solidFill>
@@ -4201,7 +4186,7 @@
               </a:lnSpc>
             </a:pPr>
             <a:r>
-              <a:rPr lang="zh-CN" altLang="en-US" sz="2800" dirty="0" smtClean="0">
+              <a:rPr lang="zh-CN" altLang="en-US" sz="2800" dirty="0">
                 <a:solidFill>
                   <a:prstClr val="white"/>
                 </a:solidFill>
@@ -4330,7 +4315,7 @@
               <a:defRPr/>
             </a:pPr>
             <a:r>
-              <a:rPr kumimoji="0" lang="zh-CN" altLang="en-US" sz="4000" b="0" i="0" u="none" strike="noStrike" kern="1200" cap="none" spc="0" normalizeH="0" baseline="0" noProof="0" dirty="0" smtClean="0">
+              <a:rPr kumimoji="0" lang="zh-CN" altLang="en-US" sz="4000" b="0" i="0" u="none" strike="noStrike" kern="1200" cap="none" spc="0" normalizeH="0" baseline="0" noProof="0" dirty="0">
                 <a:ln>
                   <a:noFill/>
                 </a:ln>
@@ -4415,7 +4400,7 @@
           <a:p>
             <a:pPr algn="ctr"/>
             <a:r>
-              <a:rPr lang="en-US" altLang="zh-CN" dirty="0" smtClean="0">
+              <a:rPr lang="en-US" altLang="zh-CN" dirty="0">
                 <a:latin typeface="Times New Roman" panose="02020603050405020304" pitchFamily="18" charset="0"/>
                 <a:cs typeface="Times New Roman" panose="02020603050405020304" pitchFamily="18" charset="0"/>
               </a:rPr>
@@ -4500,17 +4485,6 @@
               </a:lnSpc>
             </a:pPr>
             <a:r>
-              <a:rPr lang="zh-CN" altLang="en-US" sz="2800" dirty="0" smtClean="0">
-                <a:solidFill>
-                  <a:schemeClr val="bg1"/>
-                </a:solidFill>
-                <a:latin typeface="黑体" panose="02010609060101010101" pitchFamily="49" charset="-122"/>
-                <a:ea typeface="黑体" panose="02010609060101010101" pitchFamily="49" charset="-122"/>
-                <a:cs typeface="Times New Roman" panose="02020603050405020304" pitchFamily="18" charset="0"/>
-              </a:rPr>
-              <a:t>请判断每张图片是否在今天的磁共振实验中出现过，并尽快</a:t>
-            </a:r>
-            <a:r>
               <a:rPr lang="zh-CN" altLang="en-US" sz="2800" dirty="0">
                 <a:solidFill>
                   <a:schemeClr val="bg1"/>
@@ -4519,42 +4493,9 @@
                 <a:ea typeface="黑体" panose="02010609060101010101" pitchFamily="49" charset="-122"/>
                 <a:cs typeface="Times New Roman" panose="02020603050405020304" pitchFamily="18" charset="0"/>
               </a:rPr>
-              <a:t>按键反应</a:t>
-            </a:r>
-            <a:r>
-              <a:rPr lang="zh-CN" altLang="en-US" sz="2800" dirty="0" smtClean="0">
-                <a:solidFill>
-                  <a:schemeClr val="bg1"/>
-                </a:solidFill>
-                <a:latin typeface="黑体" panose="02010609060101010101" pitchFamily="49" charset="-122"/>
-                <a:ea typeface="黑体" panose="02010609060101010101" pitchFamily="49" charset="-122"/>
-                <a:cs typeface="Times New Roman" panose="02020603050405020304" pitchFamily="18" charset="0"/>
-              </a:rPr>
-              <a:t>。出现过按左键，未出现过按</a:t>
-            </a:r>
-            <a:r>
-              <a:rPr lang="zh-CN" altLang="en-US" sz="2800" dirty="0">
-                <a:solidFill>
-                  <a:schemeClr val="bg1"/>
-                </a:solidFill>
-                <a:latin typeface="黑体" panose="02010609060101010101" pitchFamily="49" charset="-122"/>
-                <a:ea typeface="黑体" panose="02010609060101010101" pitchFamily="49" charset="-122"/>
-                <a:cs typeface="Times New Roman" panose="02020603050405020304" pitchFamily="18" charset="0"/>
-              </a:rPr>
-              <a:t>右键</a:t>
-            </a:r>
-            <a:r>
-              <a:rPr lang="zh-CN" altLang="en-US" sz="2800" dirty="0" smtClean="0">
-                <a:solidFill>
-                  <a:schemeClr val="bg1"/>
-                </a:solidFill>
-                <a:latin typeface="黑体" panose="02010609060101010101" pitchFamily="49" charset="-122"/>
-                <a:ea typeface="黑体" panose="02010609060101010101" pitchFamily="49" charset="-122"/>
-                <a:cs typeface="Times New Roman" panose="02020603050405020304" pitchFamily="18" charset="0"/>
-              </a:rPr>
-              <a:t>。</a:t>
-            </a:r>
-            <a:endParaRPr lang="en-US" altLang="zh-CN" sz="2800" dirty="0" smtClean="0">
+              <a:t>请判断每张图片是否在今天的磁共振实验中出现过，并尽快按键反应。出现过按左键，未出现过按右键。</a:t>
+            </a:r>
+            <a:endParaRPr lang="en-US" altLang="zh-CN" sz="2800" dirty="0">
               <a:solidFill>
                 <a:schemeClr val="bg1"/>
               </a:solidFill>
@@ -4570,16 +4511,6 @@
               </a:lnSpc>
             </a:pPr>
             <a:r>
-              <a:rPr lang="zh-CN" altLang="en-US" sz="2800" dirty="0" smtClean="0">
-                <a:solidFill>
-                  <a:schemeClr val="bg1"/>
-                </a:solidFill>
-                <a:latin typeface="黑体" panose="02010609060101010101" pitchFamily="49" charset="-122"/>
-                <a:ea typeface="黑体" panose="02010609060101010101" pitchFamily="49" charset="-122"/>
-              </a:rPr>
-              <a:t>准备好后按</a:t>
-            </a:r>
-            <a:r>
               <a:rPr lang="zh-CN" altLang="en-US" sz="2800" dirty="0">
                 <a:solidFill>
                   <a:schemeClr val="bg1"/>
@@ -4587,17 +4518,7 @@
                 <a:latin typeface="黑体" panose="02010609060101010101" pitchFamily="49" charset="-122"/>
                 <a:ea typeface="黑体" panose="02010609060101010101" pitchFamily="49" charset="-122"/>
               </a:rPr>
-              <a:t>左键开始实验</a:t>
-            </a:r>
-            <a:r>
-              <a:rPr lang="zh-CN" altLang="en-US" sz="2800" dirty="0" smtClean="0">
-                <a:solidFill>
-                  <a:schemeClr val="bg1"/>
-                </a:solidFill>
-                <a:latin typeface="黑体" panose="02010609060101010101" pitchFamily="49" charset="-122"/>
-                <a:ea typeface="黑体" panose="02010609060101010101" pitchFamily="49" charset="-122"/>
-              </a:rPr>
-              <a:t>。</a:t>
+              <a:t>准备好后按左键开始实验。</a:t>
             </a:r>
             <a:endParaRPr lang="en-US" altLang="zh-CN" sz="2800" b="1" dirty="0">
               <a:solidFill>
@@ -4713,7 +4634,7 @@
               <a:defRPr/>
             </a:pPr>
             <a:r>
-              <a:rPr kumimoji="0" lang="zh-CN" altLang="en-US" sz="4000" b="0" i="0" u="none" strike="noStrike" kern="1200" cap="none" spc="0" normalizeH="0" baseline="0" noProof="0" dirty="0" smtClean="0">
+              <a:rPr kumimoji="0" lang="zh-CN" altLang="en-US" sz="4000" b="0" i="0" u="none" strike="noStrike" kern="1200" cap="none" spc="0" normalizeH="0" baseline="0" noProof="0" dirty="0">
                 <a:ln>
                   <a:noFill/>
                 </a:ln>
@@ -4750,6 +4671,371 @@
     <p:extLst>
       <p:ext uri="{BB962C8B-B14F-4D97-AF65-F5344CB8AC3E}">
         <p14:creationId xmlns:p14="http://schemas.microsoft.com/office/powerpoint/2010/main" val="1228723664"/>
+      </p:ext>
+    </p:extLst>
+  </p:cSld>
+  <p:clrMapOvr>
+    <a:masterClrMapping/>
+  </p:clrMapOvr>
+</p:sld>
+</file>
+
+<file path=ppt/slides/slide15.xml><?xml version="1.0" encoding="utf-8"?>
+<p:sld xmlns:a="http://schemas.openxmlformats.org/drawingml/2006/main" xmlns:r="http://schemas.openxmlformats.org/officeDocument/2006/relationships" xmlns:p="http://schemas.openxmlformats.org/presentationml/2006/main">
+  <p:cSld>
+    <p:spTree>
+      <p:nvGrpSpPr>
+        <p:cNvPr id="1" name=""/>
+        <p:cNvGrpSpPr/>
+        <p:nvPr/>
+      </p:nvGrpSpPr>
+      <p:grpSpPr>
+        <a:xfrm>
+          <a:off x="0" y="0"/>
+          <a:ext cx="0" cy="0"/>
+          <a:chOff x="0" y="0"/>
+          <a:chExt cx="0" cy="0"/>
+        </a:xfrm>
+      </p:grpSpPr>
+      <p:sp>
+        <p:nvSpPr>
+          <p:cNvPr id="2" name="标题 1"/>
+          <p:cNvSpPr>
+            <a:spLocks noGrp="1"/>
+          </p:cNvSpPr>
+          <p:nvPr>
+            <p:ph type="title"/>
+          </p:nvPr>
+        </p:nvSpPr>
+        <p:spPr>
+          <a:xfrm>
+            <a:off x="628650" y="2766219"/>
+            <a:ext cx="7886700" cy="1325563"/>
+          </a:xfrm>
+        </p:spPr>
+        <p:txBody>
+          <a:bodyPr/>
+          <a:lstStyle/>
+          <a:p>
+            <a:pPr algn="ctr"/>
+            <a:r>
+              <a:rPr lang="en-US" altLang="zh-CN" dirty="0">
+                <a:latin typeface="Times New Roman" panose="02020603050405020304" pitchFamily="18" charset="0"/>
+                <a:cs typeface="Times New Roman" panose="02020603050405020304" pitchFamily="18" charset="0"/>
+              </a:rPr>
+              <a:t>Rest</a:t>
+            </a:r>
+            <a:endParaRPr lang="zh-CN" altLang="en-US" dirty="0">
+              <a:latin typeface="Times New Roman" panose="02020603050405020304" pitchFamily="18" charset="0"/>
+              <a:cs typeface="Times New Roman" panose="02020603050405020304" pitchFamily="18" charset="0"/>
+            </a:endParaRPr>
+          </a:p>
+        </p:txBody>
+      </p:sp>
+    </p:spTree>
+    <p:extLst>
+      <p:ext uri="{BB962C8B-B14F-4D97-AF65-F5344CB8AC3E}">
+        <p14:creationId xmlns:p14="http://schemas.microsoft.com/office/powerpoint/2010/main" val="470608906"/>
+      </p:ext>
+    </p:extLst>
+  </p:cSld>
+  <p:clrMapOvr>
+    <a:masterClrMapping/>
+  </p:clrMapOvr>
+</p:sld>
+</file>
+
+<file path=ppt/slides/slide16.xml><?xml version="1.0" encoding="utf-8"?>
+<p:sld xmlns:a="http://schemas.openxmlformats.org/drawingml/2006/main" xmlns:r="http://schemas.openxmlformats.org/officeDocument/2006/relationships" xmlns:p="http://schemas.openxmlformats.org/presentationml/2006/main">
+  <p:cSld>
+    <p:bg>
+      <p:bgPr>
+        <a:solidFill>
+          <a:srgbClr val="7C7468"/>
+        </a:solidFill>
+        <a:effectLst/>
+      </p:bgPr>
+    </p:bg>
+    <p:spTree>
+      <p:nvGrpSpPr>
+        <p:cNvPr id="1" name=""/>
+        <p:cNvGrpSpPr/>
+        <p:nvPr/>
+      </p:nvGrpSpPr>
+      <p:grpSpPr>
+        <a:xfrm>
+          <a:off x="0" y="0"/>
+          <a:ext cx="0" cy="0"/>
+          <a:chOff x="0" y="0"/>
+          <a:chExt cx="0" cy="0"/>
+        </a:xfrm>
+      </p:grpSpPr>
+      <p:sp>
+        <p:nvSpPr>
+          <p:cNvPr id="5" name="标题 1">
+            <a:extLst>
+              <a:ext uri="{FF2B5EF4-FFF2-40B4-BE49-F238E27FC236}">
+                <a16:creationId xmlns:a16="http://schemas.microsoft.com/office/drawing/2014/main" id="{9E7F9276-CB36-4D03-8899-4441C9E51EC0}"/>
+              </a:ext>
+            </a:extLst>
+          </p:cNvPr>
+          <p:cNvSpPr txBox="1">
+            <a:spLocks/>
+          </p:cNvSpPr>
+          <p:nvPr/>
+        </p:nvSpPr>
+        <p:spPr>
+          <a:xfrm>
+            <a:off x="1651865" y="2738991"/>
+            <a:ext cx="5840269" cy="1380017"/>
+          </a:xfrm>
+          <a:prstGeom prst="rect">
+            <a:avLst/>
+          </a:prstGeom>
+        </p:spPr>
+        <p:txBody>
+          <a:bodyPr vert="horz" lIns="68580" tIns="34290" rIns="68580" bIns="34290" rtlCol="0" anchor="b">
+            <a:noAutofit/>
+          </a:bodyPr>
+          <a:lstStyle>
+            <a:lvl1pPr algn="ctr" defTabSz="914400" rtl="0" eaLnBrk="1" latinLnBrk="0" hangingPunct="1">
+              <a:lnSpc>
+                <a:spcPct val="90000"/>
+              </a:lnSpc>
+              <a:spcBef>
+                <a:spcPct val="0"/>
+              </a:spcBef>
+              <a:buNone/>
+              <a:defRPr sz="6000" kern="1200">
+                <a:solidFill>
+                  <a:schemeClr val="tx1"/>
+                </a:solidFill>
+                <a:latin typeface="+mj-lt"/>
+                <a:ea typeface="+mj-ea"/>
+                <a:cs typeface="+mj-cs"/>
+              </a:defRPr>
+            </a:lvl1pPr>
+          </a:lstStyle>
+          <a:p>
+            <a:pPr marL="0" marR="0" lvl="0" indent="0" algn="ctr" defTabSz="914400" rtl="0" eaLnBrk="1" fontAlgn="auto" latinLnBrk="0" hangingPunct="1">
+              <a:lnSpc>
+                <a:spcPct val="120000"/>
+              </a:lnSpc>
+              <a:spcBef>
+                <a:spcPct val="0"/>
+              </a:spcBef>
+              <a:spcAft>
+                <a:spcPts val="0"/>
+              </a:spcAft>
+              <a:buClrTx/>
+              <a:buSzTx/>
+              <a:buFontTx/>
+              <a:buNone/>
+              <a:tabLst/>
+              <a:defRPr/>
+            </a:pPr>
+            <a:r>
+              <a:rPr kumimoji="0" lang="zh-CN" altLang="en-US" sz="4000" b="0" i="0" u="none" strike="noStrike" kern="1200" cap="none" spc="0" normalizeH="0" baseline="0" noProof="0" dirty="0">
+                <a:ln>
+                  <a:noFill/>
+                </a:ln>
+                <a:solidFill>
+                  <a:prstClr val="white"/>
+                </a:solidFill>
+                <a:effectLst/>
+                <a:uLnTx/>
+                <a:uFillTx/>
+                <a:latin typeface="黑体" panose="02010609060101010101" pitchFamily="49" charset="-122"/>
+                <a:ea typeface="黑体" panose="02010609060101010101" pitchFamily="49" charset="-122"/>
+                <a:cs typeface="Times New Roman" panose="02020603050405020304" pitchFamily="18" charset="0"/>
+              </a:rPr>
+              <a:t>请</a:t>
+            </a:r>
+            <a:r>
+              <a:rPr lang="zh-CN" altLang="en-US" sz="4000" dirty="0">
+                <a:solidFill>
+                  <a:prstClr val="white"/>
+                </a:solidFill>
+                <a:latin typeface="黑体" panose="02010609060101010101" pitchFamily="49" charset="-122"/>
+                <a:ea typeface="黑体" panose="02010609060101010101" pitchFamily="49" charset="-122"/>
+                <a:cs typeface="Times New Roman" panose="02020603050405020304" pitchFamily="18" charset="0"/>
+              </a:rPr>
+              <a:t>您注视中央十字，保持头不要动，平静休息</a:t>
+            </a:r>
+            <a:r>
+              <a:rPr kumimoji="0" lang="zh-CN" altLang="en-US" sz="4000" b="0" i="0" u="none" strike="noStrike" kern="1200" cap="none" spc="0" normalizeH="0" baseline="0" noProof="0" dirty="0">
+                <a:ln>
+                  <a:noFill/>
+                </a:ln>
+                <a:solidFill>
+                  <a:prstClr val="white"/>
+                </a:solidFill>
+                <a:effectLst/>
+                <a:uLnTx/>
+                <a:uFillTx/>
+                <a:latin typeface="黑体" panose="02010609060101010101" pitchFamily="49" charset="-122"/>
+                <a:ea typeface="黑体" panose="02010609060101010101" pitchFamily="49" charset="-122"/>
+                <a:cs typeface="Times New Roman" panose="02020603050405020304" pitchFamily="18" charset="0"/>
+              </a:rPr>
+              <a:t>。</a:t>
+            </a:r>
+            <a:endParaRPr kumimoji="0" lang="zh-CN" altLang="en-US" sz="4000" b="0" i="0" u="none" strike="noStrike" kern="1200" cap="none" spc="0" normalizeH="0" baseline="0" noProof="0" dirty="0">
+              <a:ln>
+                <a:noFill/>
+              </a:ln>
+              <a:solidFill>
+                <a:prstClr val="white"/>
+              </a:solidFill>
+              <a:effectLst/>
+              <a:uLnTx/>
+              <a:uFillTx/>
+              <a:latin typeface="黑体" panose="02010609060101010101" pitchFamily="49" charset="-122"/>
+              <a:ea typeface="黑体" panose="02010609060101010101" pitchFamily="49" charset="-122"/>
+              <a:cs typeface="+mj-cs"/>
+            </a:endParaRPr>
+          </a:p>
+        </p:txBody>
+      </p:sp>
+    </p:spTree>
+    <p:extLst>
+      <p:ext uri="{BB962C8B-B14F-4D97-AF65-F5344CB8AC3E}">
+        <p14:creationId xmlns:p14="http://schemas.microsoft.com/office/powerpoint/2010/main" val="3733487006"/>
+      </p:ext>
+    </p:extLst>
+  </p:cSld>
+  <p:clrMapOvr>
+    <a:masterClrMapping/>
+  </p:clrMapOvr>
+</p:sld>
+</file>
+
+<file path=ppt/slides/slide17.xml><?xml version="1.0" encoding="utf-8"?>
+<p:sld xmlns:a="http://schemas.openxmlformats.org/drawingml/2006/main" xmlns:r="http://schemas.openxmlformats.org/officeDocument/2006/relationships" xmlns:p="http://schemas.openxmlformats.org/presentationml/2006/main">
+  <p:cSld>
+    <p:bg>
+      <p:bgPr>
+        <a:solidFill>
+          <a:srgbClr val="7C7468"/>
+        </a:solidFill>
+        <a:effectLst/>
+      </p:bgPr>
+    </p:bg>
+    <p:spTree>
+      <p:nvGrpSpPr>
+        <p:cNvPr id="1" name=""/>
+        <p:cNvGrpSpPr/>
+        <p:nvPr/>
+      </p:nvGrpSpPr>
+      <p:grpSpPr>
+        <a:xfrm>
+          <a:off x="0" y="0"/>
+          <a:ext cx="0" cy="0"/>
+          <a:chOff x="0" y="0"/>
+          <a:chExt cx="0" cy="0"/>
+        </a:xfrm>
+      </p:grpSpPr>
+      <p:sp>
+        <p:nvSpPr>
+          <p:cNvPr id="5" name="标题 1">
+            <a:extLst>
+              <a:ext uri="{FF2B5EF4-FFF2-40B4-BE49-F238E27FC236}">
+                <a16:creationId xmlns:a16="http://schemas.microsoft.com/office/drawing/2014/main" id="{9E7F9276-CB36-4D03-8899-4441C9E51EC0}"/>
+              </a:ext>
+            </a:extLst>
+          </p:cNvPr>
+          <p:cNvSpPr txBox="1">
+            <a:spLocks/>
+          </p:cNvSpPr>
+          <p:nvPr/>
+        </p:nvSpPr>
+        <p:spPr>
+          <a:xfrm>
+            <a:off x="1439219" y="3062696"/>
+            <a:ext cx="6570362" cy="732608"/>
+          </a:xfrm>
+          <a:prstGeom prst="rect">
+            <a:avLst/>
+          </a:prstGeom>
+        </p:spPr>
+        <p:txBody>
+          <a:bodyPr vert="horz" lIns="68580" tIns="34290" rIns="68580" bIns="34290" rtlCol="0" anchor="b">
+            <a:noAutofit/>
+          </a:bodyPr>
+          <a:lstStyle>
+            <a:lvl1pPr algn="ctr" defTabSz="914400" rtl="0" eaLnBrk="1" latinLnBrk="0" hangingPunct="1">
+              <a:lnSpc>
+                <a:spcPct val="90000"/>
+              </a:lnSpc>
+              <a:spcBef>
+                <a:spcPct val="0"/>
+              </a:spcBef>
+              <a:buNone/>
+              <a:defRPr sz="6000" kern="1200">
+                <a:solidFill>
+                  <a:schemeClr val="tx1"/>
+                </a:solidFill>
+                <a:latin typeface="+mj-lt"/>
+                <a:ea typeface="+mj-ea"/>
+                <a:cs typeface="+mj-cs"/>
+              </a:defRPr>
+            </a:lvl1pPr>
+          </a:lstStyle>
+          <a:p>
+            <a:pPr marL="0" marR="0" lvl="0" indent="0" algn="ctr" defTabSz="914400" rtl="0" eaLnBrk="1" fontAlgn="auto" latinLnBrk="0" hangingPunct="1">
+              <a:lnSpc>
+                <a:spcPct val="90000"/>
+              </a:lnSpc>
+              <a:spcBef>
+                <a:spcPct val="0"/>
+              </a:spcBef>
+              <a:spcAft>
+                <a:spcPts val="0"/>
+              </a:spcAft>
+              <a:buClrTx/>
+              <a:buSzTx/>
+              <a:buFontTx/>
+              <a:buNone/>
+              <a:tabLst/>
+              <a:defRPr/>
+            </a:pPr>
+            <a:r>
+              <a:rPr kumimoji="0" lang="zh-CN" altLang="en-US" sz="4000" b="0" i="0" u="none" strike="noStrike" kern="1200" cap="none" spc="0" normalizeH="0" baseline="0" noProof="0" dirty="0">
+                <a:ln>
+                  <a:noFill/>
+                </a:ln>
+                <a:solidFill>
+                  <a:prstClr val="white"/>
+                </a:solidFill>
+                <a:effectLst/>
+                <a:uLnTx/>
+                <a:uFillTx/>
+                <a:latin typeface="黑体" panose="02010609060101010101" pitchFamily="49" charset="-122"/>
+                <a:ea typeface="黑体" panose="02010609060101010101" pitchFamily="49" charset="-122"/>
+                <a:cs typeface="Times New Roman" panose="02020603050405020304" pitchFamily="18" charset="0"/>
+              </a:rPr>
+              <a:t>本轮实验结束，请稍等片刻。</a:t>
+            </a:r>
+            <a:endParaRPr kumimoji="0" lang="zh-CN" altLang="en-US" sz="4000" b="0" i="0" u="none" strike="noStrike" kern="1200" cap="none" spc="0" normalizeH="0" baseline="0" noProof="0" dirty="0">
+              <a:ln>
+                <a:noFill/>
+              </a:ln>
+              <a:solidFill>
+                <a:prstClr val="white"/>
+              </a:solidFill>
+              <a:effectLst/>
+              <a:uLnTx/>
+              <a:uFillTx/>
+              <a:latin typeface="黑体" panose="02010609060101010101" pitchFamily="49" charset="-122"/>
+              <a:ea typeface="黑体" panose="02010609060101010101" pitchFamily="49" charset="-122"/>
+              <a:cs typeface="+mj-cs"/>
+            </a:endParaRPr>
+          </a:p>
+        </p:txBody>
+      </p:sp>
+    </p:spTree>
+    <p:extLst>
+      <p:ext uri="{BB962C8B-B14F-4D97-AF65-F5344CB8AC3E}">
+        <p14:creationId xmlns:p14="http://schemas.microsoft.com/office/powerpoint/2010/main" val="3078357264"/>
       </p:ext>
     </p:extLst>
   </p:cSld>
@@ -4793,7 +5079,7 @@
           <a:p>
             <a:pPr algn="ctr"/>
             <a:r>
-              <a:rPr lang="en-US" altLang="zh-CN" dirty="0" smtClean="0">
+              <a:rPr lang="en-US" altLang="zh-CN" dirty="0">
                 <a:latin typeface="Times New Roman" panose="02020603050405020304" pitchFamily="18" charset="0"/>
                 <a:ea typeface="黑体" panose="02010609060101010101" pitchFamily="49" charset="-122"/>
                 <a:cs typeface="Times New Roman" panose="02020603050405020304" pitchFamily="18" charset="0"/>
@@ -4801,18 +5087,13 @@
               <a:t>MRI</a:t>
             </a:r>
             <a:r>
-              <a:rPr lang="zh-CN" altLang="en-US" dirty="0" smtClean="0">
+              <a:rPr lang="zh-CN" altLang="en-US" dirty="0">
                 <a:latin typeface="Times New Roman" panose="02020603050405020304" pitchFamily="18" charset="0"/>
                 <a:ea typeface="黑体" panose="02010609060101010101" pitchFamily="49" charset="-122"/>
                 <a:cs typeface="Times New Roman" panose="02020603050405020304" pitchFamily="18" charset="0"/>
               </a:rPr>
               <a:t>注意事项</a:t>
             </a:r>
-            <a:endParaRPr lang="zh-CN" altLang="en-US" dirty="0">
-              <a:latin typeface="Times New Roman" panose="02020603050405020304" pitchFamily="18" charset="0"/>
-              <a:ea typeface="黑体" panose="02010609060101010101" pitchFamily="49" charset="-122"/>
-              <a:cs typeface="Times New Roman" panose="02020603050405020304" pitchFamily="18" charset="0"/>
-            </a:endParaRPr>
           </a:p>
         </p:txBody>
       </p:sp>
@@ -4833,31 +5114,15 @@
           </a:bodyPr>
           <a:lstStyle/>
           <a:p>
-            <a:r>
-              <a:rPr lang="zh-CN" altLang="en-US" dirty="0" smtClean="0">
-                <a:latin typeface="Times New Roman" panose="02020603050405020304" pitchFamily="18" charset="0"/>
-                <a:ea typeface="黑体" panose="02010609060101010101" pitchFamily="49" charset="-122"/>
-                <a:cs typeface="Times New Roman" panose="02020603050405020304" pitchFamily="18" charset="0"/>
-              </a:rPr>
-              <a:t>扫描时间比较长</a:t>
-            </a:r>
             <a:r>
               <a:rPr lang="zh-CN" altLang="en-US" dirty="0">
                 <a:latin typeface="Times New Roman" panose="02020603050405020304" pitchFamily="18" charset="0"/>
                 <a:ea typeface="黑体" panose="02010609060101010101" pitchFamily="49" charset="-122"/>
                 <a:cs typeface="Times New Roman" panose="02020603050405020304" pitchFamily="18" charset="0"/>
               </a:rPr>
-              <a:t>，</a:t>
-            </a:r>
-            <a:r>
-              <a:rPr lang="zh-CN" altLang="en-US" dirty="0" smtClean="0">
-                <a:latin typeface="Times New Roman" panose="02020603050405020304" pitchFamily="18" charset="0"/>
-                <a:ea typeface="黑体" panose="02010609060101010101" pitchFamily="49" charset="-122"/>
-                <a:cs typeface="Times New Roman" panose="02020603050405020304" pitchFamily="18" charset="0"/>
-              </a:rPr>
-              <a:t>进去后一定调整好姿势，躺舒服。只要没开始扫描，都可以调整，别着急。一旦开始扫描就不能调整了。</a:t>
-            </a:r>
-            <a:endParaRPr lang="en-US" altLang="zh-CN" dirty="0" smtClean="0">
+              <a:t>扫描时间比较长，进去后一定调整好姿势，躺舒服。只要没开始扫描，都可以调整，别着急。一旦开始扫描就不能调整了。</a:t>
+            </a:r>
+            <a:endParaRPr lang="en-US" altLang="zh-CN" dirty="0">
               <a:latin typeface="Times New Roman" panose="02020603050405020304" pitchFamily="18" charset="0"/>
               <a:ea typeface="黑体" panose="02010609060101010101" pitchFamily="49" charset="-122"/>
               <a:cs typeface="Times New Roman" panose="02020603050405020304" pitchFamily="18" charset="0"/>
@@ -4865,14 +5130,14 @@
           </a:p>
           <a:p>
             <a:r>
-              <a:rPr lang="zh-CN" altLang="en-US" dirty="0" smtClean="0">
+              <a:rPr lang="zh-CN" altLang="en-US" dirty="0">
                 <a:latin typeface="Times New Roman" panose="02020603050405020304" pitchFamily="18" charset="0"/>
                 <a:ea typeface="黑体" panose="02010609060101010101" pitchFamily="49" charset="-122"/>
                 <a:cs typeface="Times New Roman" panose="02020603050405020304" pitchFamily="18" charset="0"/>
               </a:rPr>
               <a:t>扫描中，一定不能头动。</a:t>
             </a:r>
-            <a:endParaRPr lang="en-US" altLang="zh-CN" dirty="0" smtClean="0">
+            <a:endParaRPr lang="en-US" altLang="zh-CN" dirty="0">
               <a:latin typeface="Times New Roman" panose="02020603050405020304" pitchFamily="18" charset="0"/>
               <a:ea typeface="黑体" panose="02010609060101010101" pitchFamily="49" charset="-122"/>
               <a:cs typeface="Times New Roman" panose="02020603050405020304" pitchFamily="18" charset="0"/>
@@ -4885,17 +5150,9 @@
                 <a:ea typeface="黑体" panose="02010609060101010101" pitchFamily="49" charset="-122"/>
                 <a:cs typeface="Times New Roman" panose="02020603050405020304" pitchFamily="18" charset="0"/>
               </a:rPr>
-              <a:t>扫描中</a:t>
-            </a:r>
-            <a:r>
-              <a:rPr lang="zh-CN" altLang="en-US" dirty="0" smtClean="0">
-                <a:latin typeface="Times New Roman" panose="02020603050405020304" pitchFamily="18" charset="0"/>
-                <a:ea typeface="黑体" panose="02010609060101010101" pitchFamily="49" charset="-122"/>
-                <a:cs typeface="Times New Roman" panose="02020603050405020304" pitchFamily="18" charset="0"/>
-              </a:rPr>
-              <a:t>，保持注视中央圆点，不要转动扫视。</a:t>
-            </a:r>
-            <a:endParaRPr lang="en-US" altLang="zh-CN" dirty="0" smtClean="0">
+              <a:t>扫描中，保持注视中央圆点，不要转动扫视。</a:t>
+            </a:r>
+            <a:endParaRPr lang="en-US" altLang="zh-CN" dirty="0">
               <a:latin typeface="Times New Roman" panose="02020603050405020304" pitchFamily="18" charset="0"/>
               <a:ea typeface="黑体" panose="02010609060101010101" pitchFamily="49" charset="-122"/>
               <a:cs typeface="Times New Roman" panose="02020603050405020304" pitchFamily="18" charset="0"/>
@@ -4903,7 +5160,7 @@
           </a:p>
           <a:p>
             <a:r>
-              <a:rPr lang="zh-CN" altLang="en-US" dirty="0" smtClean="0">
+              <a:rPr lang="zh-CN" altLang="en-US" dirty="0">
                 <a:latin typeface="Times New Roman" panose="02020603050405020304" pitchFamily="18" charset="0"/>
                 <a:ea typeface="黑体" panose="02010609060101010101" pitchFamily="49" charset="-122"/>
                 <a:cs typeface="Times New Roman" panose="02020603050405020304" pitchFamily="18" charset="0"/>
@@ -4911,7 +5168,7 @@
               <a:t>扫描间隙，可以稍微休息，但头和身体也不要大幅运动</a:t>
             </a:r>
             <a:r>
-              <a:rPr lang="en-US" altLang="zh-CN" dirty="0" smtClean="0">
+              <a:rPr lang="en-US" altLang="zh-CN" dirty="0">
                 <a:latin typeface="Times New Roman" panose="02020603050405020304" pitchFamily="18" charset="0"/>
                 <a:ea typeface="黑体" panose="02010609060101010101" pitchFamily="49" charset="-122"/>
                 <a:cs typeface="Times New Roman" panose="02020603050405020304" pitchFamily="18" charset="0"/>
@@ -4919,7 +5176,7 @@
               <a:t>(&lt;1</a:t>
             </a:r>
             <a:r>
-              <a:rPr lang="zh-CN" altLang="en-US" dirty="0" smtClean="0">
+              <a:rPr lang="zh-CN" altLang="en-US" dirty="0">
                 <a:latin typeface="Times New Roman" panose="02020603050405020304" pitchFamily="18" charset="0"/>
                 <a:ea typeface="黑体" panose="02010609060101010101" pitchFamily="49" charset="-122"/>
                 <a:cs typeface="Times New Roman" panose="02020603050405020304" pitchFamily="18" charset="0"/>
@@ -4927,7 +5184,7 @@
               <a:t>厘米</a:t>
             </a:r>
             <a:r>
-              <a:rPr lang="en-US" altLang="zh-CN" dirty="0" smtClean="0">
+              <a:rPr lang="en-US" altLang="zh-CN" dirty="0">
                 <a:latin typeface="Times New Roman" panose="02020603050405020304" pitchFamily="18" charset="0"/>
                 <a:ea typeface="黑体" panose="02010609060101010101" pitchFamily="49" charset="-122"/>
                 <a:cs typeface="Times New Roman" panose="02020603050405020304" pitchFamily="18" charset="0"/>
@@ -4935,14 +5192,14 @@
               <a:t>)</a:t>
             </a:r>
             <a:r>
-              <a:rPr lang="zh-CN" altLang="en-US" dirty="0" smtClean="0">
+              <a:rPr lang="zh-CN" altLang="en-US" dirty="0">
                 <a:latin typeface="Times New Roman" panose="02020603050405020304" pitchFamily="18" charset="0"/>
                 <a:ea typeface="黑体" panose="02010609060101010101" pitchFamily="49" charset="-122"/>
                 <a:cs typeface="Times New Roman" panose="02020603050405020304" pitchFamily="18" charset="0"/>
               </a:rPr>
               <a:t>。如果状态可以就尽快开始下边实验，休息越长在里边待的时间越长。</a:t>
             </a:r>
-            <a:endParaRPr lang="en-US" altLang="zh-CN" dirty="0" smtClean="0">
+            <a:endParaRPr lang="en-US" altLang="zh-CN" dirty="0">
               <a:latin typeface="Times New Roman" panose="02020603050405020304" pitchFamily="18" charset="0"/>
               <a:ea typeface="黑体" panose="02010609060101010101" pitchFamily="49" charset="-122"/>
               <a:cs typeface="Times New Roman" panose="02020603050405020304" pitchFamily="18" charset="0"/>
@@ -4950,7 +5207,7 @@
           </a:p>
           <a:p>
             <a:r>
-              <a:rPr lang="zh-CN" altLang="en-US" dirty="0" smtClean="0">
+              <a:rPr lang="zh-CN" altLang="en-US" dirty="0">
                 <a:latin typeface="Times New Roman" panose="02020603050405020304" pitchFamily="18" charset="0"/>
                 <a:ea typeface="黑体" panose="02010609060101010101" pitchFamily="49" charset="-122"/>
                 <a:cs typeface="Times New Roman" panose="02020603050405020304" pitchFamily="18" charset="0"/>
@@ -5044,7 +5301,7 @@
           <a:p>
             <a:pPr algn="ctr"/>
             <a:r>
-              <a:rPr lang="en-US" altLang="zh-CN" dirty="0" smtClean="0">
+              <a:rPr lang="en-US" altLang="zh-CN" dirty="0">
                 <a:latin typeface="Times New Roman" panose="02020603050405020304" pitchFamily="18" charset="0"/>
                 <a:cs typeface="Times New Roman" panose="02020603050405020304" pitchFamily="18" charset="0"/>
               </a:rPr>
@@ -5129,17 +5386,6 @@
               </a:lnSpc>
             </a:pPr>
             <a:r>
-              <a:rPr lang="zh-CN" altLang="en-US" sz="2800" dirty="0" smtClean="0">
-                <a:solidFill>
-                  <a:schemeClr val="bg1"/>
-                </a:solidFill>
-                <a:latin typeface="黑体" panose="02010609060101010101" pitchFamily="49" charset="-122"/>
-                <a:ea typeface="黑体" panose="02010609060101010101" pitchFamily="49" charset="-122"/>
-                <a:cs typeface="Times New Roman" panose="02020603050405020304" pitchFamily="18" charset="0"/>
-              </a:rPr>
-              <a:t>实验</a:t>
-            </a:r>
-            <a:r>
               <a:rPr lang="zh-CN" altLang="en-US" sz="2800" dirty="0">
                 <a:solidFill>
                   <a:schemeClr val="bg1"/>
@@ -5148,19 +5394,23 @@
                 <a:ea typeface="黑体" panose="02010609060101010101" pitchFamily="49" charset="-122"/>
                 <a:cs typeface="Times New Roman" panose="02020603050405020304" pitchFamily="18" charset="0"/>
               </a:rPr>
-              <a:t>中请时刻注视屏幕</a:t>
-            </a:r>
-            <a:r>
-              <a:rPr lang="zh-CN" altLang="en-US" sz="2800" dirty="0" smtClean="0">
-                <a:solidFill>
-                  <a:schemeClr val="bg1"/>
-                </a:solidFill>
-                <a:latin typeface="黑体" panose="02010609060101010101" pitchFamily="49" charset="-122"/>
-                <a:ea typeface="黑体" panose="02010609060101010101" pitchFamily="49" charset="-122"/>
-                <a:cs typeface="Times New Roman" panose="02020603050405020304" pitchFamily="18" charset="0"/>
-              </a:rPr>
-              <a:t>中央圆点，</a:t>
-            </a:r>
+              <a:t>实验中请时刻注视屏幕中央圆点，并判断图片中的物体是否有生命，在每张图片消失后尽快按键反应。</a:t>
+            </a:r>
+            <a:endParaRPr lang="en-US" altLang="zh-CN" sz="2800" dirty="0">
+              <a:solidFill>
+                <a:schemeClr val="bg1"/>
+              </a:solidFill>
+              <a:latin typeface="黑体" panose="02010609060101010101" pitchFamily="49" charset="-122"/>
+              <a:ea typeface="黑体" panose="02010609060101010101" pitchFamily="49" charset="-122"/>
+              <a:cs typeface="Times New Roman" panose="02020603050405020304" pitchFamily="18" charset="0"/>
+            </a:endParaRPr>
+          </a:p>
+          <a:p>
+            <a:pPr>
+              <a:lnSpc>
+                <a:spcPct val="120000"/>
+              </a:lnSpc>
+            </a:pPr>
             <a:r>
               <a:rPr lang="zh-CN" altLang="en-US" sz="2800" dirty="0">
                 <a:solidFill>
@@ -5170,51 +5420,7 @@
                 <a:ea typeface="黑体" panose="02010609060101010101" pitchFamily="49" charset="-122"/>
                 <a:cs typeface="Times New Roman" panose="02020603050405020304" pitchFamily="18" charset="0"/>
               </a:rPr>
-              <a:t>并</a:t>
-            </a:r>
-            <a:r>
-              <a:rPr lang="zh-CN" altLang="en-US" sz="2800" dirty="0" smtClean="0">
-                <a:solidFill>
-                  <a:schemeClr val="bg1"/>
-                </a:solidFill>
-                <a:latin typeface="黑体" panose="02010609060101010101" pitchFamily="49" charset="-122"/>
-                <a:ea typeface="黑体" panose="02010609060101010101" pitchFamily="49" charset="-122"/>
-                <a:cs typeface="Times New Roman" panose="02020603050405020304" pitchFamily="18" charset="0"/>
-              </a:rPr>
-              <a:t>判断图片</a:t>
-            </a:r>
-            <a:r>
-              <a:rPr lang="zh-CN" altLang="en-US" sz="2800" dirty="0">
-                <a:solidFill>
-                  <a:schemeClr val="bg1"/>
-                </a:solidFill>
-                <a:latin typeface="黑体" panose="02010609060101010101" pitchFamily="49" charset="-122"/>
-                <a:ea typeface="黑体" panose="02010609060101010101" pitchFamily="49" charset="-122"/>
-                <a:cs typeface="Times New Roman" panose="02020603050405020304" pitchFamily="18" charset="0"/>
-              </a:rPr>
-              <a:t>中的物体是否有生命</a:t>
-            </a:r>
-            <a:r>
-              <a:rPr lang="zh-CN" altLang="en-US" sz="2800" dirty="0" smtClean="0">
-                <a:solidFill>
-                  <a:schemeClr val="bg1"/>
-                </a:solidFill>
-                <a:latin typeface="黑体" panose="02010609060101010101" pitchFamily="49" charset="-122"/>
-                <a:ea typeface="黑体" panose="02010609060101010101" pitchFamily="49" charset="-122"/>
-                <a:cs typeface="Times New Roman" panose="02020603050405020304" pitchFamily="18" charset="0"/>
-              </a:rPr>
-              <a:t>，在</a:t>
-            </a:r>
-            <a:r>
-              <a:rPr lang="zh-CN" altLang="en-US" sz="2800" dirty="0">
-                <a:solidFill>
-                  <a:schemeClr val="bg1"/>
-                </a:solidFill>
-                <a:latin typeface="黑体" panose="02010609060101010101" pitchFamily="49" charset="-122"/>
-                <a:ea typeface="黑体" panose="02010609060101010101" pitchFamily="49" charset="-122"/>
-                <a:cs typeface="Times New Roman" panose="02020603050405020304" pitchFamily="18" charset="0"/>
-              </a:rPr>
-              <a:t>每张图片消失后尽快按键反应。</a:t>
+              <a:t>有生命按左键，无生命按右键。</a:t>
             </a:r>
             <a:endParaRPr lang="en-US" altLang="zh-CN" sz="2800" dirty="0">
               <a:solidFill>
@@ -5232,75 +5438,6 @@
               </a:lnSpc>
             </a:pPr>
             <a:r>
-              <a:rPr lang="zh-CN" altLang="en-US" sz="2800" dirty="0" smtClean="0">
-                <a:solidFill>
-                  <a:schemeClr val="bg1"/>
-                </a:solidFill>
-                <a:latin typeface="黑体" panose="02010609060101010101" pitchFamily="49" charset="-122"/>
-                <a:ea typeface="黑体" panose="02010609060101010101" pitchFamily="49" charset="-122"/>
-                <a:cs typeface="Times New Roman" panose="02020603050405020304" pitchFamily="18" charset="0"/>
-              </a:rPr>
-              <a:t>有</a:t>
-            </a:r>
-            <a:r>
-              <a:rPr lang="zh-CN" altLang="en-US" sz="2800" dirty="0">
-                <a:solidFill>
-                  <a:schemeClr val="bg1"/>
-                </a:solidFill>
-                <a:latin typeface="黑体" panose="02010609060101010101" pitchFamily="49" charset="-122"/>
-                <a:ea typeface="黑体" panose="02010609060101010101" pitchFamily="49" charset="-122"/>
-                <a:cs typeface="Times New Roman" panose="02020603050405020304" pitchFamily="18" charset="0"/>
-              </a:rPr>
-              <a:t>生命按</a:t>
-            </a:r>
-            <a:r>
-              <a:rPr lang="zh-CN" altLang="en-US" sz="2800" dirty="0" smtClean="0">
-                <a:solidFill>
-                  <a:schemeClr val="bg1"/>
-                </a:solidFill>
-                <a:latin typeface="黑体" panose="02010609060101010101" pitchFamily="49" charset="-122"/>
-                <a:ea typeface="黑体" panose="02010609060101010101" pitchFamily="49" charset="-122"/>
-                <a:cs typeface="Times New Roman" panose="02020603050405020304" pitchFamily="18" charset="0"/>
-              </a:rPr>
-              <a:t>左键，无</a:t>
-            </a:r>
-            <a:r>
-              <a:rPr lang="zh-CN" altLang="en-US" sz="2800" dirty="0">
-                <a:solidFill>
-                  <a:schemeClr val="bg1"/>
-                </a:solidFill>
-                <a:latin typeface="黑体" panose="02010609060101010101" pitchFamily="49" charset="-122"/>
-                <a:ea typeface="黑体" panose="02010609060101010101" pitchFamily="49" charset="-122"/>
-                <a:cs typeface="Times New Roman" panose="02020603050405020304" pitchFamily="18" charset="0"/>
-              </a:rPr>
-              <a:t>生命按右键。</a:t>
-            </a:r>
-            <a:endParaRPr lang="en-US" altLang="zh-CN" sz="2800" dirty="0">
-              <a:solidFill>
-                <a:schemeClr val="bg1"/>
-              </a:solidFill>
-              <a:latin typeface="黑体" panose="02010609060101010101" pitchFamily="49" charset="-122"/>
-              <a:ea typeface="黑体" panose="02010609060101010101" pitchFamily="49" charset="-122"/>
-              <a:cs typeface="Times New Roman" panose="02020603050405020304" pitchFamily="18" charset="0"/>
-            </a:endParaRPr>
-          </a:p>
-          <a:p>
-            <a:pPr>
-              <a:lnSpc>
-                <a:spcPct val="120000"/>
-              </a:lnSpc>
-            </a:pPr>
-            <a:r>
-              <a:rPr lang="zh-CN" altLang="en-US" sz="2800" dirty="0" smtClean="0">
-                <a:solidFill>
-                  <a:schemeClr val="bg1"/>
-                </a:solidFill>
-                <a:latin typeface="黑体" panose="02010609060101010101" pitchFamily="49" charset="-122"/>
-                <a:ea typeface="黑体" panose="02010609060101010101" pitchFamily="49" charset="-122"/>
-              </a:rPr>
-              <a:t>准备好后按</a:t>
-            </a:r>
-            <a:r>
               <a:rPr lang="zh-CN" altLang="en-US" sz="2800" dirty="0">
                 <a:solidFill>
                   <a:schemeClr val="bg1"/>
@@ -5308,17 +5445,7 @@
                 <a:latin typeface="黑体" panose="02010609060101010101" pitchFamily="49" charset="-122"/>
                 <a:ea typeface="黑体" panose="02010609060101010101" pitchFamily="49" charset="-122"/>
               </a:rPr>
-              <a:t>左键开始实验</a:t>
-            </a:r>
-            <a:r>
-              <a:rPr lang="zh-CN" altLang="en-US" sz="2800" dirty="0" smtClean="0">
-                <a:solidFill>
-                  <a:schemeClr val="bg1"/>
-                </a:solidFill>
-                <a:latin typeface="黑体" panose="02010609060101010101" pitchFamily="49" charset="-122"/>
-                <a:ea typeface="黑体" panose="02010609060101010101" pitchFamily="49" charset="-122"/>
-              </a:rPr>
-              <a:t>。</a:t>
+              <a:t>准备好后按左键开始实验。</a:t>
             </a:r>
             <a:endParaRPr lang="en-US" altLang="zh-CN" sz="2800" b="1" dirty="0">
               <a:solidFill>
@@ -5481,13 +5608,6 @@
   <p:clrMapOvr>
     <a:masterClrMapping/>
   </p:clrMapOvr>
-  <p:timing>
-    <p:tnLst>
-      <p:par>
-        <p:cTn id="1" dur="indefinite" restart="never" nodeType="tmRoot"/>
-      </p:par>
-    </p:tnLst>
-  </p:timing>
 </p:sld>
 </file>
 
@@ -5605,13 +5725,6 @@
   <p:clrMapOvr>
     <a:masterClrMapping/>
   </p:clrMapOvr>
-  <p:timing>
-    <p:tnLst>
-      <p:par>
-        <p:cTn id="1" dur="indefinite" restart="never" nodeType="tmRoot"/>
-      </p:par>
-    </p:tnLst>
-  </p:timing>
 </p:sld>
 </file>
 
@@ -5663,7 +5776,7 @@
           <a:lstStyle/>
           <a:p>
             <a:r>
-              <a:rPr lang="zh-CN" altLang="en-US" sz="2800" dirty="0" smtClean="0">
+              <a:rPr lang="zh-CN" altLang="en-US" sz="2800" dirty="0">
                 <a:solidFill>
                   <a:schemeClr val="bg1"/>
                 </a:solidFill>
@@ -5672,13 +5785,6 @@
               </a:rPr>
               <a:t>依次类推，后续会出现一系列图片</a:t>
             </a:r>
-            <a:endParaRPr lang="zh-CN" altLang="en-US" sz="2800" dirty="0">
-              <a:solidFill>
-                <a:schemeClr val="bg1"/>
-              </a:solidFill>
-              <a:latin typeface="黑体" panose="02010609060101010101" pitchFamily="49" charset="-122"/>
-              <a:ea typeface="黑体" panose="02010609060101010101" pitchFamily="49" charset="-122"/>
-            </a:endParaRPr>
           </a:p>
         </p:txBody>
       </p:sp>
@@ -5692,13 +5798,6 @@
   <p:clrMapOvr>
     <a:masterClrMapping/>
   </p:clrMapOvr>
-  <p:timing>
-    <p:tnLst>
-      <p:par>
-        <p:cTn id="1" dur="indefinite" restart="never" nodeType="tmRoot"/>
-      </p:par>
-    </p:tnLst>
-  </p:timing>
 </p:sld>
 </file>
 
@@ -5775,7 +5874,7 @@
           </a:lstStyle>
           <a:p>
             <a:r>
-              <a:rPr lang="zh-CN" altLang="en-US" sz="4000" dirty="0" smtClean="0">
+              <a:rPr lang="zh-CN" altLang="en-US" sz="4000" dirty="0">
                 <a:solidFill>
                   <a:schemeClr val="bg1"/>
                 </a:solidFill>
@@ -5847,25 +5946,11 @@
           <a:p>
             <a:pPr algn="ctr"/>
             <a:r>
-              <a:rPr lang="en-US" altLang="zh-CN" dirty="0" smtClean="0">
-                <a:latin typeface="Times New Roman" panose="02020603050405020304" pitchFamily="18" charset="0"/>
-                <a:cs typeface="Times New Roman" panose="02020603050405020304" pitchFamily="18" charset="0"/>
-              </a:rPr>
-              <a:t>Test </a:t>
-            </a:r>
-            <a:r>
               <a:rPr lang="en-US" altLang="zh-CN" dirty="0">
                 <a:latin typeface="Times New Roman" panose="02020603050405020304" pitchFamily="18" charset="0"/>
                 <a:cs typeface="Times New Roman" panose="02020603050405020304" pitchFamily="18" charset="0"/>
               </a:rPr>
-              <a:t>s</a:t>
-            </a:r>
-            <a:r>
-              <a:rPr lang="en-US" altLang="zh-CN" dirty="0" smtClean="0">
-                <a:latin typeface="Times New Roman" panose="02020603050405020304" pitchFamily="18" charset="0"/>
-                <a:cs typeface="Times New Roman" panose="02020603050405020304" pitchFamily="18" charset="0"/>
-              </a:rPr>
-              <a:t>et</a:t>
+              <a:t>Test set</a:t>
             </a:r>
             <a:endParaRPr lang="zh-CN" altLang="en-US" dirty="0">
               <a:latin typeface="Times New Roman" panose="02020603050405020304" pitchFamily="18" charset="0"/>
